--- a/Презентация.pptx
+++ b/Презентация.pptx
@@ -10,9 +10,10 @@
     <p:sldId id="259" r:id="rId4"/>
     <p:sldId id="260" r:id="rId5"/>
     <p:sldId id="261" r:id="rId6"/>
-    <p:sldId id="262" r:id="rId7"/>
-    <p:sldId id="263" r:id="rId8"/>
-    <p:sldId id="264" r:id="rId9"/>
+    <p:sldId id="263" r:id="rId7"/>
+    <p:sldId id="266" r:id="rId8"/>
+    <p:sldId id="265" r:id="rId9"/>
+    <p:sldId id="264" r:id="rId10"/>
   </p:sldIdLst>
   <p:sldSz cx="9144000" cy="5143500" type="screen16x9"/>
   <p:notesSz cx="6858000" cy="9144000"/>
@@ -111,6 +112,22 @@
       </a:defRPr>
     </a:lvl9pPr>
   </p:defaultTextStyle>
+  <p:extLst>
+    <p:ext uri="{EFAFB233-063F-42B5-8137-9DF3F51BA10A}">
+      <p15:sldGuideLst xmlns:p15="http://schemas.microsoft.com/office/powerpoint/2012/main">
+        <p15:guide id="1" orient="horz" pos="1620">
+          <p15:clr>
+            <a:srgbClr val="A4A3A4"/>
+          </p15:clr>
+        </p15:guide>
+        <p15:guide id="2" pos="2880">
+          <p15:clr>
+            <a:srgbClr val="A4A3A4"/>
+          </p15:clr>
+        </p15:guide>
+      </p15:sldGuideLst>
+    </p:ext>
+  </p:extLst>
 </p:presentation>
 </file>
 
@@ -374,7 +391,7 @@
             <a:fld id="{6BC04C1E-E9C4-407F-9E27-5C4C6212FD3D}" type="datetimeFigureOut">
               <a:rPr lang="en-US" smtClean="0"/>
               <a:pPr/>
-              <a:t>5/17/2018</a:t>
+              <a:t>5/27/2018</a:t>
             </a:fld>
             <a:endParaRPr lang="en-US" dirty="0"/>
           </a:p>
@@ -562,7 +579,7 @@
             <a:fld id="{6BC04C1E-E9C4-407F-9E27-5C4C6212FD3D}" type="datetimeFigureOut">
               <a:rPr lang="en-US" smtClean="0"/>
               <a:pPr/>
-              <a:t>5/17/2018</a:t>
+              <a:t>5/27/2018</a:t>
             </a:fld>
             <a:endParaRPr lang="en-US"/>
           </a:p>
@@ -744,7 +761,7 @@
             <a:fld id="{6BC04C1E-E9C4-407F-9E27-5C4C6212FD3D}" type="datetimeFigureOut">
               <a:rPr lang="en-US" smtClean="0"/>
               <a:pPr/>
-              <a:t>5/17/2018</a:t>
+              <a:t>5/27/2018</a:t>
             </a:fld>
             <a:endParaRPr lang="en-US"/>
           </a:p>
@@ -916,7 +933,7 @@
             <a:fld id="{6BC04C1E-E9C4-407F-9E27-5C4C6212FD3D}" type="datetimeFigureOut">
               <a:rPr lang="en-US" smtClean="0"/>
               <a:pPr/>
-              <a:t>5/17/2018</a:t>
+              <a:t>5/27/2018</a:t>
             </a:fld>
             <a:endParaRPr lang="en-US" dirty="0"/>
           </a:p>
@@ -1164,7 +1181,7 @@
             <a:fld id="{6BC04C1E-E9C4-407F-9E27-5C4C6212FD3D}" type="datetimeFigureOut">
               <a:rPr lang="en-US" smtClean="0"/>
               <a:pPr/>
-              <a:t>5/17/2018</a:t>
+              <a:t>5/27/2018</a:t>
             </a:fld>
             <a:endParaRPr lang="en-US"/>
           </a:p>
@@ -1454,7 +1471,7 @@
             <a:fld id="{6BC04C1E-E9C4-407F-9E27-5C4C6212FD3D}" type="datetimeFigureOut">
               <a:rPr lang="en-US" smtClean="0"/>
               <a:pPr/>
-              <a:t>5/17/2018</a:t>
+              <a:t>5/27/2018</a:t>
             </a:fld>
             <a:endParaRPr lang="en-US"/>
           </a:p>
@@ -1883,7 +1900,7 @@
             <a:fld id="{6BC04C1E-E9C4-407F-9E27-5C4C6212FD3D}" type="datetimeFigureOut">
               <a:rPr lang="en-US" smtClean="0"/>
               <a:pPr/>
-              <a:t>5/17/2018</a:t>
+              <a:t>5/27/2018</a:t>
             </a:fld>
             <a:endParaRPr lang="en-US"/>
           </a:p>
@@ -2003,7 +2020,7 @@
             <a:fld id="{6BC04C1E-E9C4-407F-9E27-5C4C6212FD3D}" type="datetimeFigureOut">
               <a:rPr lang="en-US" smtClean="0"/>
               <a:pPr/>
-              <a:t>5/17/2018</a:t>
+              <a:t>5/27/2018</a:t>
             </a:fld>
             <a:endParaRPr lang="en-US"/>
           </a:p>
@@ -2100,7 +2117,7 @@
             <a:fld id="{6BC04C1E-E9C4-407F-9E27-5C4C6212FD3D}" type="datetimeFigureOut">
               <a:rPr lang="en-US" smtClean="0"/>
               <a:pPr/>
-              <a:t>5/17/2018</a:t>
+              <a:t>5/27/2018</a:t>
             </a:fld>
             <a:endParaRPr lang="en-US"/>
           </a:p>
@@ -2379,7 +2396,7 @@
             <a:fld id="{6BC04C1E-E9C4-407F-9E27-5C4C6212FD3D}" type="datetimeFigureOut">
               <a:rPr lang="en-US" smtClean="0"/>
               <a:pPr/>
-              <a:t>5/17/2018</a:t>
+              <a:t>5/27/2018</a:t>
             </a:fld>
             <a:endParaRPr lang="en-US"/>
           </a:p>
@@ -2634,7 +2651,7 @@
             <a:fld id="{6BC04C1E-E9C4-407F-9E27-5C4C6212FD3D}" type="datetimeFigureOut">
               <a:rPr lang="en-US" smtClean="0"/>
               <a:pPr/>
-              <a:t>5/17/2018</a:t>
+              <a:t>5/27/2018</a:t>
             </a:fld>
             <a:endParaRPr lang="en-US"/>
           </a:p>
@@ -2724,7 +2741,7 @@
           <p:cNvPicPr>
             <a:picLocks noChangeAspect="1" noChangeArrowheads="1"/>
           </p:cNvPicPr>
-          <p:nvPr userDrawn="1"/>
+          <p:nvPr/>
         </p:nvPicPr>
         <p:blipFill>
           <a:blip r:embed="rId13" cstate="email">
@@ -2913,7 +2930,7 @@
             <a:fld id="{6BC04C1E-E9C4-407F-9E27-5C4C6212FD3D}" type="datetimeFigureOut">
               <a:rPr lang="en-US" smtClean="0"/>
               <a:pPr/>
-              <a:t>5/17/2018</a:t>
+              <a:t>5/27/2018</a:t>
             </a:fld>
             <a:endParaRPr lang="en-US"/>
           </a:p>
@@ -3521,20 +3538,6 @@
               </a:rPr>
               <a:t>Владивосток</a:t>
             </a:r>
-            <a:endParaRPr kumimoji="0" lang="ru-RU" sz="1600" b="0" i="0" u="none" strike="noStrike" kern="1200" cap="none" spc="0" normalizeH="0" baseline="0" noProof="0" dirty="0" smtClean="0">
-              <a:ln>
-                <a:noFill/>
-              </a:ln>
-              <a:solidFill>
-                <a:schemeClr val="bg1"/>
-              </a:solidFill>
-              <a:effectLst/>
-              <a:uLnTx/>
-              <a:uFillTx/>
-              <a:latin typeface="+mn-lt"/>
-              <a:ea typeface="+mn-ea"/>
-              <a:cs typeface="+mn-cs"/>
-            </a:endParaRPr>
           </a:p>
           <a:p>
             <a:pPr lvl="0">
@@ -3551,11 +3554,6 @@
               </a:rPr>
               <a:t>МБОУ 80</a:t>
             </a:r>
-            <a:endParaRPr lang="ru-RU" sz="1600" dirty="0" smtClean="0">
-              <a:solidFill>
-                <a:schemeClr val="bg1"/>
-              </a:solidFill>
-            </a:endParaRPr>
           </a:p>
           <a:p>
             <a:pPr lvl="0">
@@ -3630,20 +3628,6 @@
               </a:rPr>
               <a:t>Попович Алексей Борисович</a:t>
             </a:r>
-            <a:endParaRPr kumimoji="0" lang="ru-RU" sz="1600" b="0" i="0" u="none" strike="noStrike" kern="1200" cap="none" spc="0" normalizeH="0" baseline="0" noProof="0" dirty="0" smtClean="0">
-              <a:ln>
-                <a:noFill/>
-              </a:ln>
-              <a:solidFill>
-                <a:schemeClr val="bg1"/>
-              </a:solidFill>
-              <a:effectLst/>
-              <a:uLnTx/>
-              <a:uFillTx/>
-              <a:latin typeface="+mn-lt"/>
-              <a:ea typeface="+mn-ea"/>
-              <a:cs typeface="+mn-cs"/>
-            </a:endParaRPr>
           </a:p>
           <a:p>
             <a:pPr marL="0" marR="0" lvl="0" indent="0" algn="l" defTabSz="914400" rtl="0" eaLnBrk="1" fontAlgn="auto" latinLnBrk="0" hangingPunct="1">
@@ -3685,23 +3669,7 @@
                   <a:schemeClr val="bg1"/>
                 </a:solidFill>
               </a:rPr>
-              <a:t> </a:t>
-            </a:r>
-            <a:r>
-              <a:rPr lang="ru-RU" sz="1600" dirty="0" smtClean="0">
-                <a:solidFill>
-                  <a:schemeClr val="bg1"/>
-                </a:solidFill>
-              </a:rPr>
-              <a:t>м</a:t>
-            </a:r>
-            <a:r>
-              <a:rPr lang="ru-RU" sz="1600" dirty="0" smtClean="0">
-                <a:solidFill>
-                  <a:schemeClr val="bg1"/>
-                </a:solidFill>
-              </a:rPr>
-              <a:t>арта </a:t>
+              <a:t> марта </a:t>
             </a:r>
             <a:r>
               <a:rPr kumimoji="0" lang="ru-RU" sz="1600" b="0" i="0" u="none" strike="noStrike" kern="1200" cap="none" spc="0" normalizeH="0" baseline="0" noProof="0" dirty="0" smtClean="0">
@@ -3718,24 +3686,7 @@
                 <a:ea typeface="+mn-ea"/>
                 <a:cs typeface="+mn-cs"/>
               </a:rPr>
-              <a:t>2018г</a:t>
-            </a:r>
-            <a:r>
-              <a:rPr kumimoji="0" lang="ru-RU" sz="1600" b="0" i="0" u="none" strike="noStrike" kern="1200" cap="none" spc="0" normalizeH="0" baseline="0" noProof="0" dirty="0" smtClean="0">
-                <a:ln>
-                  <a:noFill/>
-                </a:ln>
-                <a:solidFill>
-                  <a:schemeClr val="bg1"/>
-                </a:solidFill>
-                <a:effectLst/>
-                <a:uLnTx/>
-                <a:uFillTx/>
-                <a:latin typeface="+mn-lt"/>
-                <a:ea typeface="+mn-ea"/>
-                <a:cs typeface="+mn-cs"/>
-              </a:rPr>
-              <a:t>.</a:t>
+              <a:t>2018г.</a:t>
             </a:r>
             <a:endParaRPr kumimoji="0" lang="en-US" sz="1600" b="0" i="0" u="none" strike="noStrike" kern="1200" cap="none" spc="0" normalizeH="0" baseline="0" noProof="0" dirty="0">
               <a:ln>
@@ -3819,19 +3770,7 @@
                   </a:outerShdw>
                 </a:effectLst>
               </a:rPr>
-              <a:t>Иде</a:t>
-            </a:r>
-            <a:r>
-              <a:rPr lang="ru-RU" b="1" dirty="0" smtClean="0">
-                <a:effectLst>
-                  <a:outerShdw blurRad="38100" dist="38100" dir="2700000" algn="tl">
-                    <a:srgbClr val="000000">
-                      <a:alpha val="43137"/>
-                    </a:srgbClr>
-                  </a:outerShdw>
-                </a:effectLst>
-              </a:rPr>
-              <a:t>я создания</a:t>
+              <a:t>Идея создания</a:t>
             </a:r>
             <a:endParaRPr lang="en-US" b="1" dirty="0">
               <a:effectLst>
@@ -3854,7 +3793,7 @@
         <p:spPr>
           <a:xfrm>
             <a:off x="533400" y="1200150"/>
-            <a:ext cx="6620301" cy="3108543"/>
+            <a:ext cx="6620301" cy="3539430"/>
           </a:xfrm>
           <a:prstGeom prst="rect">
             <a:avLst/>
@@ -3867,7 +3806,7 @@
           <a:lstStyle/>
           <a:p>
             <a:r>
-              <a:rPr lang="ru-RU" sz="2800" b="1" dirty="0">
+              <a:rPr lang="ru-RU" sz="2800" b="1" dirty="0" smtClean="0">
                 <a:effectLst>
                   <a:outerShdw blurRad="38100" dist="38100" dir="2700000" algn="tl">
                     <a:srgbClr val="000000">
@@ -3876,7 +3815,7 @@
                   </a:outerShdw>
                 </a:effectLst>
               </a:rPr>
-              <a:t>Я решила начать с очень простого в программировании, и поразмыслив, я решила создать приложение для учебы по техническим предметам. Очень многие люди имеют проблемы с предметом математика, а особенно с физикой.</a:t>
+              <a:t>Я придумала это приложение, потому что очень многие ведут быстрые расчеты, или же хочет проверить правильность решения примера или задачи, и это приложение должно помочь таким людям. Особенно не всегда легко найти логарифм числа или его корень.</a:t>
             </a:r>
             <a:endParaRPr lang="ru-RU" sz="2800" b="1" dirty="0">
               <a:effectLst>
@@ -4180,8 +4119,8 @@
         </p:nvSpPr>
         <p:spPr>
           <a:xfrm>
-            <a:off x="152400" y="1090983"/>
-            <a:ext cx="6248400" cy="1815882"/>
+            <a:off x="5687" y="1208413"/>
+            <a:ext cx="6400800" cy="3416320"/>
           </a:xfrm>
           <a:prstGeom prst="rect">
             <a:avLst/>
@@ -4194,10 +4133,9 @@
           <a:lstStyle/>
           <a:p>
             <a:r>
-              <a:rPr lang="ru-RU" sz="2800" b="1" dirty="0"/>
-              <a:t>Смысл очень прост – приложение будет помогать людям  в трех технических предметах. Я думаю, это очень поможет любому ученику.</a:t>
-            </a:r>
-            <a:endParaRPr lang="ru-RU" sz="2800" b="1" dirty="0"/>
+              <a:rPr lang="ru-RU" sz="2400" dirty="0"/>
+              <a:t>Смысл очень прост – приложение будет помогать людям делать расчеты, которые не сделаешь на обычном калькуляторе, а так же поможет построить людям простые графики функций. Так же, я бы хотела добавить в свое приложение какую-нибудь небольшую систему тестирования (по простым задачам и примерам) чтобы люди учились делать свои расчеты быстрее</a:t>
+            </a:r>
           </a:p>
         </p:txBody>
       </p:sp>
@@ -5004,7 +4942,7 @@
         <p:spPr>
           <a:xfrm>
             <a:off x="-34120" y="1461760"/>
-            <a:ext cx="6587319" cy="3046988"/>
+            <a:ext cx="6587319" cy="2677656"/>
           </a:xfrm>
           <a:prstGeom prst="rect">
             <a:avLst/>
@@ -5016,24 +4954,21 @@
           </a:bodyPr>
           <a:lstStyle/>
           <a:p>
-            <a:r>
-              <a:rPr lang="ru-RU" sz="2400" dirty="0" smtClean="0"/>
-              <a:t>4 подраздела:</a:t>
-            </a:r>
-            <a:endParaRPr lang="en-US" sz="2400" dirty="0"/>
-          </a:p>
-          <a:p>
             <a:pPr marL="514350" indent="-514350">
               <a:buFont typeface="+mj-lt"/>
               <a:buAutoNum type="arabicPeriod"/>
             </a:pPr>
             <a:r>
+              <a:rPr lang="ru-RU" sz="2400" dirty="0" smtClean="0"/>
+              <a:t>Решение квадратного уравнения </a:t>
+            </a:r>
+            <a:r>
               <a:rPr lang="ru-RU" sz="2400" dirty="0"/>
-              <a:t>Алгебра – Все формулы и </a:t>
+              <a:t>– </a:t>
             </a:r>
             <a:r>
               <a:rPr lang="ru-RU" sz="2400" dirty="0" smtClean="0"/>
-              <a:t>примеры.</a:t>
+              <a:t>выводит два корня.</a:t>
             </a:r>
             <a:endParaRPr lang="ru-RU" sz="2400" dirty="0"/>
           </a:p>
@@ -5043,12 +4978,16 @@
               <a:buAutoNum type="arabicPeriod"/>
             </a:pPr>
             <a:r>
+              <a:rPr lang="ru-RU" sz="2400" dirty="0" smtClean="0"/>
+              <a:t>Корень </a:t>
+            </a:r>
+            <a:r>
               <a:rPr lang="ru-RU" sz="2400" dirty="0"/>
-              <a:t>Геометрия – Все формулы и некоторые </a:t>
+              <a:t>и степень числа – вычисление любого корня или степени любого </a:t>
             </a:r>
             <a:r>
               <a:rPr lang="ru-RU" sz="2400" dirty="0" smtClean="0"/>
-              <a:t>теории.</a:t>
+              <a:t>числа.</a:t>
             </a:r>
             <a:endParaRPr lang="ru-RU" sz="2400" dirty="0"/>
           </a:p>
@@ -5058,14 +4997,9 @@
               <a:buAutoNum type="arabicPeriod"/>
             </a:pPr>
             <a:r>
-              <a:rPr lang="ru-RU" sz="2400" dirty="0"/>
-              <a:t>Корень и степень числа – вычисление любого корня или степени любого </a:t>
-            </a:r>
-            <a:r>
               <a:rPr lang="ru-RU" sz="2400" dirty="0" smtClean="0"/>
-              <a:t>числа.</a:t>
-            </a:r>
-            <a:endParaRPr lang="ru-RU" sz="2400" dirty="0"/>
+              <a:t>Логарифмы – вычисление логарифма любого числа к любому основанию</a:t>
+            </a:r>
           </a:p>
           <a:p>
             <a:pPr marL="514350" indent="-514350">
@@ -5073,12 +5007,8 @@
               <a:buAutoNum type="arabicPeriod"/>
             </a:pPr>
             <a:r>
-              <a:rPr lang="ru-RU" sz="2400" dirty="0"/>
-              <a:t>Решение уравнений – </a:t>
-            </a:r>
-            <a:r>
               <a:rPr lang="ru-RU" sz="2400" dirty="0" smtClean="0"/>
-              <a:t>пока что только решение квадратных уравнений.</a:t>
+              <a:t>Графики функции </a:t>
             </a:r>
             <a:endParaRPr lang="ru-RU" sz="2400" dirty="0"/>
           </a:p>
@@ -5211,7 +5141,7 @@
         <p:spPr>
           <a:xfrm>
             <a:off x="0" y="938540"/>
-            <a:ext cx="2514600" cy="523220"/>
+            <a:ext cx="2667000" cy="523220"/>
           </a:xfrm>
           <a:prstGeom prst="rect">
             <a:avLst/>
@@ -5223,6 +5153,18 @@
           </a:bodyPr>
           <a:lstStyle/>
           <a:p>
+            <a:r>
+              <a:rPr lang="ru-RU" sz="2800" b="1" dirty="0">
+                <a:effectLst>
+                  <a:outerShdw blurRad="38100" dist="38100" dir="2700000" algn="tl">
+                    <a:srgbClr val="000000">
+                      <a:alpha val="43137"/>
+                    </a:srgbClr>
+                  </a:outerShdw>
+                </a:effectLst>
+              </a:rPr>
+              <a:t>2</a:t>
+            </a:r>
             <a:r>
               <a:rPr lang="ru-RU" sz="2800" b="1" dirty="0" smtClean="0">
                 <a:effectLst>
@@ -5233,7 +5175,7 @@
                   </a:outerShdw>
                 </a:effectLst>
               </a:rPr>
-              <a:t>1.Физика</a:t>
+              <a:t>.Информатика</a:t>
             </a:r>
             <a:endParaRPr lang="ru-RU" sz="2800" b="1" dirty="0">
               <a:effectLst>
@@ -5256,7 +5198,7 @@
         <p:spPr>
           <a:xfrm>
             <a:off x="-34120" y="1461760"/>
-            <a:ext cx="6587319" cy="3416320"/>
+            <a:ext cx="6587319" cy="1569660"/>
           </a:xfrm>
           <a:prstGeom prst="rect">
             <a:avLst/>
@@ -5268,269 +5210,15 @@
           </a:bodyPr>
           <a:lstStyle/>
           <a:p>
-            <a:r>
-              <a:rPr lang="ru-RU" sz="2400" dirty="0"/>
-              <a:t>В </a:t>
-            </a:r>
-            <a:r>
-              <a:rPr lang="ru-RU" sz="2400" dirty="0" smtClean="0"/>
-              <a:t>разделе </a:t>
-            </a:r>
-            <a:r>
-              <a:rPr lang="ru-RU" sz="2400" dirty="0"/>
-              <a:t>будут</a:t>
-            </a:r>
-            <a:r>
-              <a:rPr lang="ru-RU" sz="2400" dirty="0" smtClean="0"/>
-              <a:t>:</a:t>
-            </a:r>
-          </a:p>
-          <a:p>
-            <a:pPr marL="457200" indent="-457200">
-              <a:buFont typeface="+mj-lt"/>
-              <a:buAutoNum type="arabicPeriod"/>
-            </a:pPr>
-            <a:r>
-              <a:rPr lang="ru-RU" sz="2400" dirty="0"/>
-              <a:t>Теория – Формулы и некоторые физические </a:t>
-            </a:r>
-            <a:r>
-              <a:rPr lang="ru-RU" sz="2400" dirty="0" smtClean="0"/>
-              <a:t>явления.</a:t>
-            </a:r>
-            <a:endParaRPr lang="ru-RU" sz="2400" dirty="0"/>
-          </a:p>
-          <a:p>
-            <a:pPr marL="457200" indent="-457200">
-              <a:buFont typeface="+mj-lt"/>
-              <a:buAutoNum type="arabicPeriod"/>
-            </a:pPr>
-            <a:r>
-              <a:rPr lang="ru-RU" sz="2400" dirty="0"/>
-              <a:t>Решение задач, допустим: Известна масса и ускорение тела. Вводишь эти значения (указать, что именно вводишь) и приложение выдаст, что можно найти благодаря этим данным о </a:t>
-            </a:r>
-            <a:r>
-              <a:rPr lang="ru-RU" sz="2400" dirty="0" smtClean="0"/>
-              <a:t>теле</a:t>
-            </a:r>
-            <a:r>
-              <a:rPr lang="ru-RU" sz="2400" dirty="0"/>
-              <a:t> </a:t>
-            </a:r>
-            <a:r>
-              <a:rPr lang="ru-RU" sz="2400" dirty="0" smtClean="0"/>
-              <a:t>(допустим</a:t>
-            </a:r>
-            <a:r>
-              <a:rPr lang="ru-RU" sz="2400" dirty="0"/>
-              <a:t>, Сумму сил по 2 Закону Ньютона</a:t>
-            </a:r>
-            <a:r>
-              <a:rPr lang="ru-RU" sz="2400" dirty="0" smtClean="0"/>
-              <a:t>).</a:t>
-            </a:r>
-            <a:endParaRPr lang="ru-RU" sz="2400" dirty="0"/>
-          </a:p>
-        </p:txBody>
-      </p:sp>
-      <p:pic>
-        <p:nvPicPr>
-          <p:cNvPr id="4098" name="Picture 2" descr="https://sun9-7.userapi.com/c840522/v840522784/824cc/bwQh3STRQPo.jpg"/>
-          <p:cNvPicPr>
-            <a:picLocks noChangeAspect="1" noChangeArrowheads="1"/>
-          </p:cNvPicPr>
-          <p:nvPr/>
-        </p:nvPicPr>
-        <p:blipFill>
-          <a:blip r:embed="rId2" cstate="print">
-            <a:extLst>
-              <a:ext uri="{28A0092B-C50C-407E-A947-70E740481C1C}">
-                <a14:useLocalDpi xmlns:a14="http://schemas.microsoft.com/office/drawing/2010/main" val="0"/>
-              </a:ext>
-            </a:extLst>
-          </a:blip>
-          <a:srcRect/>
-          <a:stretch>
-            <a:fillRect/>
-          </a:stretch>
-        </p:blipFill>
-        <p:spPr bwMode="auto">
-          <a:xfrm>
-            <a:off x="6540555" y="1047750"/>
-            <a:ext cx="2475000" cy="3960000"/>
-          </a:xfrm>
-          <a:prstGeom prst="rect">
-            <a:avLst/>
-          </a:prstGeom>
-          <a:ln>
-            <a:noFill/>
-          </a:ln>
-          <a:effectLst>
-            <a:outerShdw blurRad="292100" dist="139700" dir="2700000" algn="tl" rotWithShape="0">
-              <a:srgbClr val="333333">
-                <a:alpha val="65000"/>
-              </a:srgbClr>
-            </a:outerShdw>
-          </a:effectLst>
-          <a:extLst>
-            <a:ext uri="{909E8E84-426E-40DD-AFC4-6F175D3DCCD1}">
-              <a14:hiddenFill xmlns:a14="http://schemas.microsoft.com/office/drawing/2010/main">
-                <a:solidFill>
-                  <a:srgbClr val="FFFFFF"/>
-                </a:solidFill>
-              </a14:hiddenFill>
-            </a:ext>
-          </a:extLst>
-        </p:spPr>
-      </p:pic>
-    </p:spTree>
-    <p:extLst>
-      <p:ext uri="{BB962C8B-B14F-4D97-AF65-F5344CB8AC3E}">
-        <p14:creationId xmlns:p14="http://schemas.microsoft.com/office/powerpoint/2010/main" val="2045993447"/>
-      </p:ext>
-    </p:extLst>
-  </p:cSld>
-  <p:clrMapOvr>
-    <a:masterClrMapping/>
-  </p:clrMapOvr>
-  <p:timing>
-    <p:tnLst>
-      <p:par>
-        <p:cTn id="1" dur="indefinite" restart="never" nodeType="tmRoot"/>
-      </p:par>
-    </p:tnLst>
-  </p:timing>
-</p:sld>
-</file>
-
-<file path=ppt/slides/slide7.xml><?xml version="1.0" encoding="utf-8"?>
-<p:sld xmlns:a="http://schemas.openxmlformats.org/drawingml/2006/main" xmlns:r="http://schemas.openxmlformats.org/officeDocument/2006/relationships" xmlns:p="http://schemas.openxmlformats.org/presentationml/2006/main">
-  <p:cSld>
-    <p:spTree>
-      <p:nvGrpSpPr>
-        <p:cNvPr id="1" name=""/>
-        <p:cNvGrpSpPr/>
-        <p:nvPr/>
-      </p:nvGrpSpPr>
-      <p:grpSpPr>
-        <a:xfrm>
-          <a:off x="0" y="0"/>
-          <a:ext cx="0" cy="0"/>
-          <a:chOff x="0" y="0"/>
-          <a:chExt cx="0" cy="0"/>
-        </a:xfrm>
-      </p:grpSpPr>
-      <p:sp>
-        <p:nvSpPr>
-          <p:cNvPr id="2" name="Заголовок 1"/>
-          <p:cNvSpPr>
-            <a:spLocks noGrp="1"/>
-          </p:cNvSpPr>
-          <p:nvPr>
-            <p:ph type="title"/>
-          </p:nvPr>
-        </p:nvSpPr>
-        <p:spPr/>
-        <p:txBody>
-          <a:bodyPr/>
-          <a:lstStyle/>
-          <a:p>
-            <a:r>
-              <a:rPr lang="ru-RU" b="1" dirty="0" smtClean="0">
-                <a:effectLst>
-                  <a:outerShdw blurRad="38100" dist="38100" dir="2700000" algn="tl">
-                    <a:srgbClr val="000000">
-                      <a:alpha val="43137"/>
-                    </a:srgbClr>
-                  </a:outerShdw>
-                </a:effectLst>
-              </a:rPr>
-              <a:t>Разделы приложения</a:t>
-            </a:r>
-            <a:endParaRPr lang="ru-RU" dirty="0"/>
-          </a:p>
-        </p:txBody>
-      </p:sp>
-      <p:sp>
-        <p:nvSpPr>
-          <p:cNvPr id="3" name="Прямоугольник 2"/>
-          <p:cNvSpPr/>
-          <p:nvPr/>
-        </p:nvSpPr>
-        <p:spPr>
-          <a:xfrm>
-            <a:off x="0" y="938540"/>
-            <a:ext cx="2667000" cy="523220"/>
-          </a:xfrm>
-          <a:prstGeom prst="rect">
-            <a:avLst/>
-          </a:prstGeom>
-        </p:spPr>
-        <p:txBody>
-          <a:bodyPr wrap="square">
-            <a:spAutoFit/>
-          </a:bodyPr>
-          <a:lstStyle/>
-          <a:p>
-            <a:r>
-              <a:rPr lang="ru-RU" sz="2800" b="1" dirty="0" smtClean="0">
-                <a:effectLst>
-                  <a:outerShdw blurRad="38100" dist="38100" dir="2700000" algn="tl">
-                    <a:srgbClr val="000000">
-                      <a:alpha val="43137"/>
-                    </a:srgbClr>
-                  </a:outerShdw>
-                </a:effectLst>
-              </a:rPr>
-              <a:t>1.Информатика</a:t>
-            </a:r>
-            <a:endParaRPr lang="ru-RU" sz="2800" b="1" dirty="0">
-              <a:effectLst>
-                <a:outerShdw blurRad="38100" dist="38100" dir="2700000" algn="tl">
-                  <a:srgbClr val="000000">
-                    <a:alpha val="43137"/>
-                  </a:srgbClr>
-                </a:outerShdw>
-              </a:effectLst>
-            </a:endParaRPr>
-          </a:p>
-        </p:txBody>
-      </p:sp>
-      <p:sp>
-        <p:nvSpPr>
-          <p:cNvPr id="4" name="Прямоугольник 3"/>
-          <p:cNvSpPr/>
-          <p:nvPr/>
-        </p:nvSpPr>
-        <p:spPr>
-          <a:xfrm>
-            <a:off x="-34120" y="1461760"/>
-            <a:ext cx="6587319" cy="1938992"/>
-          </a:xfrm>
-          <a:prstGeom prst="rect">
-            <a:avLst/>
-          </a:prstGeom>
-        </p:spPr>
-        <p:txBody>
-          <a:bodyPr wrap="square">
-            <a:spAutoFit/>
-          </a:bodyPr>
-          <a:lstStyle/>
-          <a:p>
-            <a:r>
-              <a:rPr lang="ru-RU" sz="2400" dirty="0"/>
-              <a:t>В приложении будут:</a:t>
-            </a:r>
-          </a:p>
-          <a:p>
             <a:pPr marL="514350" indent="-514350">
               <a:buFont typeface="+mj-lt"/>
               <a:buAutoNum type="arabicPeriod"/>
             </a:pPr>
             <a:r>
-              <a:rPr lang="ru-RU" sz="2400" dirty="0"/>
-              <a:t>Решение задач: (Информационный объем строки, текста)</a:t>
-            </a:r>
+              <a:rPr lang="ru-RU" sz="2400" dirty="0" smtClean="0"/>
+              <a:t>Действия между числами из разных систем счисления</a:t>
+            </a:r>
+            <a:endParaRPr lang="ru-RU" sz="2400" dirty="0"/>
           </a:p>
           <a:p>
             <a:pPr marL="514350" indent="-514350">
@@ -5543,12 +5231,9 @@
             </a:r>
             <a:r>
               <a:rPr lang="ru-RU" sz="2400" dirty="0" smtClean="0"/>
-              <a:t>счисления</a:t>
-            </a:r>
-            <a:r>
-              <a:rPr lang="ru-RU" sz="2400" dirty="0"/>
-              <a:t>, так же калькулятор этих чисел</a:t>
-            </a:r>
+              <a:t>счисления в другую систему счисления</a:t>
+            </a:r>
+            <a:endParaRPr lang="ru-RU" sz="2400" dirty="0"/>
           </a:p>
         </p:txBody>
       </p:sp>
@@ -5622,6 +5307,171 @@
 </p:sld>
 </file>
 
+<file path=ppt/slides/slide7.xml><?xml version="1.0" encoding="utf-8"?>
+<p:sld xmlns:a="http://schemas.openxmlformats.org/drawingml/2006/main" xmlns:r="http://schemas.openxmlformats.org/officeDocument/2006/relationships" xmlns:p="http://schemas.openxmlformats.org/presentationml/2006/main">
+  <p:cSld>
+    <p:spTree>
+      <p:nvGrpSpPr>
+        <p:cNvPr id="1" name=""/>
+        <p:cNvGrpSpPr/>
+        <p:nvPr/>
+      </p:nvGrpSpPr>
+      <p:grpSpPr>
+        <a:xfrm>
+          <a:off x="0" y="0"/>
+          <a:ext cx="0" cy="0"/>
+          <a:chOff x="0" y="0"/>
+          <a:chExt cx="0" cy="0"/>
+        </a:xfrm>
+      </p:grpSpPr>
+      <p:sp>
+        <p:nvSpPr>
+          <p:cNvPr id="2" name="Заголовок 1"/>
+          <p:cNvSpPr>
+            <a:spLocks noGrp="1"/>
+          </p:cNvSpPr>
+          <p:nvPr>
+            <p:ph type="title"/>
+          </p:nvPr>
+        </p:nvSpPr>
+        <p:spPr/>
+        <p:txBody>
+          <a:bodyPr/>
+          <a:lstStyle/>
+          <a:p>
+            <a:r>
+              <a:rPr lang="ru-RU" b="1" dirty="0" smtClean="0">
+                <a:effectLst>
+                  <a:outerShdw blurRad="38100" dist="38100" dir="2700000" algn="tl">
+                    <a:srgbClr val="000000">
+                      <a:alpha val="43137"/>
+                    </a:srgbClr>
+                  </a:outerShdw>
+                </a:effectLst>
+              </a:rPr>
+              <a:t>Разделы приложения</a:t>
+            </a:r>
+            <a:endParaRPr lang="ru-RU" dirty="0"/>
+          </a:p>
+        </p:txBody>
+      </p:sp>
+      <p:sp>
+        <p:nvSpPr>
+          <p:cNvPr id="3" name="Прямоугольник 2"/>
+          <p:cNvSpPr/>
+          <p:nvPr/>
+        </p:nvSpPr>
+        <p:spPr>
+          <a:xfrm>
+            <a:off x="0" y="938540"/>
+            <a:ext cx="2667000" cy="954107"/>
+          </a:xfrm>
+          <a:prstGeom prst="rect">
+            <a:avLst/>
+          </a:prstGeom>
+        </p:spPr>
+        <p:txBody>
+          <a:bodyPr wrap="square">
+            <a:spAutoFit/>
+          </a:bodyPr>
+          <a:lstStyle/>
+          <a:p>
+            <a:r>
+              <a:rPr lang="ru-RU" sz="2800" b="1" dirty="0" smtClean="0">
+                <a:effectLst>
+                  <a:outerShdw blurRad="38100" dist="38100" dir="2700000" algn="tl">
+                    <a:srgbClr val="000000">
+                      <a:alpha val="43137"/>
+                    </a:srgbClr>
+                  </a:outerShdw>
+                </a:effectLst>
+              </a:rPr>
+              <a:t>3.Будущий раздел - Тесты</a:t>
+            </a:r>
+            <a:endParaRPr lang="ru-RU" sz="2800" b="1" dirty="0">
+              <a:effectLst>
+                <a:outerShdw blurRad="38100" dist="38100" dir="2700000" algn="tl">
+                  <a:srgbClr val="000000">
+                    <a:alpha val="43137"/>
+                  </a:srgbClr>
+                </a:outerShdw>
+              </a:effectLst>
+            </a:endParaRPr>
+          </a:p>
+        </p:txBody>
+      </p:sp>
+      <p:sp>
+        <p:nvSpPr>
+          <p:cNvPr id="4" name="Прямоугольник 3"/>
+          <p:cNvSpPr/>
+          <p:nvPr/>
+        </p:nvSpPr>
+        <p:spPr>
+          <a:xfrm>
+            <a:off x="21609" y="2154640"/>
+            <a:ext cx="6587319" cy="2308324"/>
+          </a:xfrm>
+          <a:prstGeom prst="rect">
+            <a:avLst/>
+          </a:prstGeom>
+        </p:spPr>
+        <p:txBody>
+          <a:bodyPr wrap="square">
+            <a:spAutoFit/>
+          </a:bodyPr>
+          <a:lstStyle/>
+          <a:p>
+            <a:pPr marL="457200" indent="-457200">
+              <a:buFont typeface="+mj-lt"/>
+              <a:buAutoNum type="arabicPeriod"/>
+            </a:pPr>
+            <a:r>
+              <a:rPr lang="ru-RU" sz="2400" dirty="0" smtClean="0"/>
+              <a:t>Считать примеры на время –  вы должны ответить 10 раз верно на примеры</a:t>
+            </a:r>
+          </a:p>
+          <a:p>
+            <a:pPr marL="457200" indent="-457200">
+              <a:buFont typeface="+mj-lt"/>
+              <a:buAutoNum type="arabicPeriod"/>
+            </a:pPr>
+            <a:r>
+              <a:rPr lang="ru-RU" sz="2400" dirty="0" smtClean="0"/>
+              <a:t>Ответить правильно на вопрос «Что за геометрическая фигура перед вами?»</a:t>
+            </a:r>
+          </a:p>
+          <a:p>
+            <a:pPr marL="457200" indent="-457200">
+              <a:buFont typeface="+mj-lt"/>
+              <a:buAutoNum type="arabicPeriod"/>
+            </a:pPr>
+            <a:r>
+              <a:rPr lang="ru-RU" sz="2400" dirty="0" smtClean="0"/>
+              <a:t>Ответить правильно на вопросы «Что за график функции?»</a:t>
+            </a:r>
+          </a:p>
+        </p:txBody>
+      </p:sp>
+    </p:spTree>
+    <p:extLst>
+      <p:ext uri="{BB962C8B-B14F-4D97-AF65-F5344CB8AC3E}">
+        <p14:creationId xmlns:p14="http://schemas.microsoft.com/office/powerpoint/2010/main" val="637993741"/>
+      </p:ext>
+    </p:extLst>
+  </p:cSld>
+  <p:clrMapOvr>
+    <a:masterClrMapping/>
+  </p:clrMapOvr>
+  <p:timing>
+    <p:tnLst>
+      <p:par>
+        <p:cTn id="1" dur="indefinite" restart="never" nodeType="tmRoot"/>
+      </p:par>
+    </p:tnLst>
+  </p:timing>
+</p:sld>
+</file>
+
 <file path=ppt/slides/slide8.xml><?xml version="1.0" encoding="utf-8"?>
 <p:sld xmlns:a="http://schemas.openxmlformats.org/drawingml/2006/main" xmlns:r="http://schemas.openxmlformats.org/officeDocument/2006/relationships" xmlns:p="http://schemas.openxmlformats.org/presentationml/2006/main">
   <p:cSld>
@@ -5651,6 +5501,94 @@
         </p:nvSpPr>
         <p:spPr/>
         <p:txBody>
+          <a:bodyPr/>
+          <a:lstStyle/>
+          <a:p>
+            <a:r>
+              <a:rPr lang="en-US" b="1" dirty="0" smtClean="0">
+                <a:effectLst>
+                  <a:outerShdw blurRad="38100" dist="38100" dir="2700000" algn="tl">
+                    <a:srgbClr val="000000">
+                      <a:alpha val="43137"/>
+                    </a:srgbClr>
+                  </a:outerShdw>
+                </a:effectLst>
+              </a:rPr>
+              <a:t>UML </a:t>
+            </a:r>
+            <a:r>
+              <a:rPr lang="ru-RU" b="1" dirty="0" smtClean="0">
+                <a:effectLst>
+                  <a:outerShdw blurRad="38100" dist="38100" dir="2700000" algn="tl">
+                    <a:srgbClr val="000000">
+                      <a:alpha val="43137"/>
+                    </a:srgbClr>
+                  </a:outerShdw>
+                </a:effectLst>
+              </a:rPr>
+              <a:t>диаграмма</a:t>
+            </a:r>
+            <a:endParaRPr lang="ru-RU" b="1" dirty="0">
+              <a:effectLst>
+                <a:outerShdw blurRad="38100" dist="38100" dir="2700000" algn="tl">
+                  <a:srgbClr val="000000">
+                    <a:alpha val="43137"/>
+                  </a:srgbClr>
+                </a:outerShdw>
+              </a:effectLst>
+            </a:endParaRPr>
+          </a:p>
+        </p:txBody>
+      </p:sp>
+    </p:spTree>
+    <p:extLst>
+      <p:ext uri="{BB962C8B-B14F-4D97-AF65-F5344CB8AC3E}">
+        <p14:creationId xmlns:p14="http://schemas.microsoft.com/office/powerpoint/2010/main" val="4157076744"/>
+      </p:ext>
+    </p:extLst>
+  </p:cSld>
+  <p:clrMapOvr>
+    <a:masterClrMapping/>
+  </p:clrMapOvr>
+  <p:timing>
+    <p:tnLst>
+      <p:par>
+        <p:cTn id="1" dur="indefinite" restart="never" nodeType="tmRoot"/>
+      </p:par>
+    </p:tnLst>
+  </p:timing>
+</p:sld>
+</file>
+
+<file path=ppt/slides/slide9.xml><?xml version="1.0" encoding="utf-8"?>
+<p:sld xmlns:a="http://schemas.openxmlformats.org/drawingml/2006/main" xmlns:r="http://schemas.openxmlformats.org/officeDocument/2006/relationships" xmlns:p="http://schemas.openxmlformats.org/presentationml/2006/main">
+  <p:cSld>
+    <p:spTree>
+      <p:nvGrpSpPr>
+        <p:cNvPr id="1" name=""/>
+        <p:cNvGrpSpPr/>
+        <p:nvPr/>
+      </p:nvGrpSpPr>
+      <p:grpSpPr>
+        <a:xfrm>
+          <a:off x="0" y="0"/>
+          <a:ext cx="0" cy="0"/>
+          <a:chOff x="0" y="0"/>
+          <a:chExt cx="0" cy="0"/>
+        </a:xfrm>
+      </p:grpSpPr>
+      <p:sp>
+        <p:nvSpPr>
+          <p:cNvPr id="2" name="Заголовок 1"/>
+          <p:cNvSpPr>
+            <a:spLocks noGrp="1"/>
+          </p:cNvSpPr>
+          <p:nvPr>
+            <p:ph type="title"/>
+          </p:nvPr>
+        </p:nvSpPr>
+        <p:spPr/>
+        <p:txBody>
           <a:bodyPr>
             <a:normAutofit fontScale="90000"/>
           </a:bodyPr>
@@ -5680,8 +5618,8 @@
         </p:nvSpPr>
         <p:spPr>
           <a:xfrm>
-            <a:off x="152400" y="1461760"/>
-            <a:ext cx="6587319" cy="2677656"/>
+            <a:off x="171734" y="2104317"/>
+            <a:ext cx="6587319" cy="1200329"/>
           </a:xfrm>
           <a:prstGeom prst="rect">
             <a:avLst/>
@@ -5698,14 +5636,9 @@
               <a:buAutoNum type="arabicPeriod"/>
             </a:pPr>
             <a:r>
-              <a:rPr lang="ru-RU" sz="2400" dirty="0"/>
-              <a:t>Построение графика </a:t>
-            </a:r>
-            <a:r>
               <a:rPr lang="ru-RU" sz="2400" dirty="0" smtClean="0"/>
-              <a:t>функции.</a:t>
-            </a:r>
-            <a:endParaRPr lang="ru-RU" sz="2400" dirty="0"/>
+              <a:t>Тесты(говорилось выше)</a:t>
+            </a:r>
           </a:p>
           <a:p>
             <a:pPr marL="514350" indent="-514350">
@@ -5713,43 +5646,15 @@
               <a:buAutoNum type="arabicPeriod"/>
             </a:pPr>
             <a:r>
-              <a:rPr lang="ru-RU" sz="2400" dirty="0"/>
-              <a:t>Логарифмы, косинусы, синусы, тангенсы, </a:t>
-            </a:r>
-            <a:r>
               <a:rPr lang="ru-RU" sz="2400" dirty="0" smtClean="0"/>
-              <a:t>котангенсы.</a:t>
-            </a:r>
-            <a:endParaRPr lang="ru-RU" sz="2400" dirty="0"/>
+              <a:t>Тангенсы, синусы, косинусы</a:t>
+            </a:r>
           </a:p>
           <a:p>
             <a:pPr marL="514350" indent="-514350">
               <a:buFont typeface="+mj-lt"/>
               <a:buAutoNum type="arabicPeriod"/>
             </a:pPr>
-            <a:r>
-              <a:rPr lang="ru-RU" sz="2400" dirty="0"/>
-              <a:t>Проверка своих знаний после прочитывания теории(по желанию</a:t>
-            </a:r>
-            <a:r>
-              <a:rPr lang="ru-RU" sz="2400" dirty="0" smtClean="0"/>
-              <a:t>).</a:t>
-            </a:r>
-            <a:endParaRPr lang="ru-RU" sz="2400" dirty="0"/>
-          </a:p>
-          <a:p>
-            <a:pPr marL="514350" indent="-514350">
-              <a:buFont typeface="+mj-lt"/>
-              <a:buAutoNum type="arabicPeriod"/>
-            </a:pPr>
-            <a:r>
-              <a:rPr lang="ru-RU" sz="2400" dirty="0"/>
-              <a:t>Помощь по программировании на </a:t>
-            </a:r>
-            <a:r>
-              <a:rPr lang="ru-RU" sz="2400" dirty="0" smtClean="0"/>
-              <a:t>язык Паскаль.</a:t>
-            </a:r>
             <a:endParaRPr lang="ru-RU" sz="2400" dirty="0"/>
           </a:p>
         </p:txBody>
